--- a/02_slides/Statistics for Linguists 2023 11 15.pptx
+++ b/02_slides/Statistics for Linguists 2023 11 15.pptx
@@ -22,41 +22,43 @@
     <p:sldId id="270" r:id="rId16"/>
     <p:sldId id="273" r:id="rId17"/>
     <p:sldId id="272" r:id="rId18"/>
-    <p:sldId id="266" r:id="rId19"/>
-    <p:sldId id="274" r:id="rId20"/>
-    <p:sldId id="275" r:id="rId21"/>
-    <p:sldId id="277" r:id="rId22"/>
-    <p:sldId id="278" r:id="rId23"/>
-    <p:sldId id="282" r:id="rId24"/>
-    <p:sldId id="283" r:id="rId25"/>
-    <p:sldId id="284" r:id="rId26"/>
-    <p:sldId id="279" r:id="rId27"/>
-    <p:sldId id="280" r:id="rId28"/>
-    <p:sldId id="281" r:id="rId29"/>
-    <p:sldId id="285" r:id="rId30"/>
-    <p:sldId id="286" r:id="rId31"/>
-    <p:sldId id="287" r:id="rId32"/>
-    <p:sldId id="288" r:id="rId33"/>
-    <p:sldId id="289" r:id="rId34"/>
-    <p:sldId id="276" r:id="rId35"/>
-    <p:sldId id="290" r:id="rId36"/>
-    <p:sldId id="291" r:id="rId37"/>
-    <p:sldId id="292" r:id="rId38"/>
-    <p:sldId id="293" r:id="rId39"/>
-    <p:sldId id="294" r:id="rId40"/>
-    <p:sldId id="295" r:id="rId41"/>
-    <p:sldId id="296" r:id="rId42"/>
-    <p:sldId id="297" r:id="rId43"/>
-    <p:sldId id="298" r:id="rId44"/>
-    <p:sldId id="299" r:id="rId45"/>
-    <p:sldId id="300" r:id="rId46"/>
-    <p:sldId id="301" r:id="rId47"/>
-    <p:sldId id="302" r:id="rId48"/>
-    <p:sldId id="303" r:id="rId49"/>
-    <p:sldId id="304" r:id="rId50"/>
-    <p:sldId id="305" r:id="rId51"/>
-    <p:sldId id="306" r:id="rId52"/>
-    <p:sldId id="307" r:id="rId53"/>
+    <p:sldId id="308" r:id="rId19"/>
+    <p:sldId id="309" r:id="rId20"/>
+    <p:sldId id="266" r:id="rId21"/>
+    <p:sldId id="274" r:id="rId22"/>
+    <p:sldId id="275" r:id="rId23"/>
+    <p:sldId id="277" r:id="rId24"/>
+    <p:sldId id="278" r:id="rId25"/>
+    <p:sldId id="282" r:id="rId26"/>
+    <p:sldId id="283" r:id="rId27"/>
+    <p:sldId id="284" r:id="rId28"/>
+    <p:sldId id="279" r:id="rId29"/>
+    <p:sldId id="280" r:id="rId30"/>
+    <p:sldId id="281" r:id="rId31"/>
+    <p:sldId id="285" r:id="rId32"/>
+    <p:sldId id="286" r:id="rId33"/>
+    <p:sldId id="287" r:id="rId34"/>
+    <p:sldId id="288" r:id="rId35"/>
+    <p:sldId id="289" r:id="rId36"/>
+    <p:sldId id="276" r:id="rId37"/>
+    <p:sldId id="290" r:id="rId38"/>
+    <p:sldId id="291" r:id="rId39"/>
+    <p:sldId id="292" r:id="rId40"/>
+    <p:sldId id="293" r:id="rId41"/>
+    <p:sldId id="294" r:id="rId42"/>
+    <p:sldId id="295" r:id="rId43"/>
+    <p:sldId id="296" r:id="rId44"/>
+    <p:sldId id="297" r:id="rId45"/>
+    <p:sldId id="298" r:id="rId46"/>
+    <p:sldId id="299" r:id="rId47"/>
+    <p:sldId id="300" r:id="rId48"/>
+    <p:sldId id="301" r:id="rId49"/>
+    <p:sldId id="302" r:id="rId50"/>
+    <p:sldId id="303" r:id="rId51"/>
+    <p:sldId id="304" r:id="rId52"/>
+    <p:sldId id="305" r:id="rId53"/>
+    <p:sldId id="306" r:id="rId54"/>
+    <p:sldId id="307" r:id="rId55"/>
   </p:sldIdLst>
   <p:sldSz cx="12192000" cy="6858000"/>
   <p:notesSz cx="6858000" cy="9144000"/>
@@ -312,7 +314,7 @@
           <a:p>
             <a:fld id="{F53DEF25-7F0F-4577-A782-6142AB1EE955}" type="datetimeFigureOut">
               <a:rPr lang="es-BO" smtClean="0"/>
-              <a:t>14/11/2023</a:t>
+              <a:t>15/11/2023</a:t>
             </a:fld>
             <a:endParaRPr lang="es-BO"/>
           </a:p>
@@ -512,7 +514,7 @@
           <a:p>
             <a:fld id="{F53DEF25-7F0F-4577-A782-6142AB1EE955}" type="datetimeFigureOut">
               <a:rPr lang="es-BO" smtClean="0"/>
-              <a:t>14/11/2023</a:t>
+              <a:t>15/11/2023</a:t>
             </a:fld>
             <a:endParaRPr lang="es-BO"/>
           </a:p>
@@ -722,7 +724,7 @@
           <a:p>
             <a:fld id="{F53DEF25-7F0F-4577-A782-6142AB1EE955}" type="datetimeFigureOut">
               <a:rPr lang="es-BO" smtClean="0"/>
-              <a:t>14/11/2023</a:t>
+              <a:t>15/11/2023</a:t>
             </a:fld>
             <a:endParaRPr lang="es-BO"/>
           </a:p>
@@ -922,7 +924,7 @@
           <a:p>
             <a:fld id="{F53DEF25-7F0F-4577-A782-6142AB1EE955}" type="datetimeFigureOut">
               <a:rPr lang="es-BO" smtClean="0"/>
-              <a:t>14/11/2023</a:t>
+              <a:t>15/11/2023</a:t>
             </a:fld>
             <a:endParaRPr lang="es-BO"/>
           </a:p>
@@ -1198,7 +1200,7 @@
           <a:p>
             <a:fld id="{F53DEF25-7F0F-4577-A782-6142AB1EE955}" type="datetimeFigureOut">
               <a:rPr lang="es-BO" smtClean="0"/>
-              <a:t>14/11/2023</a:t>
+              <a:t>15/11/2023</a:t>
             </a:fld>
             <a:endParaRPr lang="es-BO"/>
           </a:p>
@@ -1466,7 +1468,7 @@
           <a:p>
             <a:fld id="{F53DEF25-7F0F-4577-A782-6142AB1EE955}" type="datetimeFigureOut">
               <a:rPr lang="es-BO" smtClean="0"/>
-              <a:t>14/11/2023</a:t>
+              <a:t>15/11/2023</a:t>
             </a:fld>
             <a:endParaRPr lang="es-BO"/>
           </a:p>
@@ -1881,7 +1883,7 @@
           <a:p>
             <a:fld id="{F53DEF25-7F0F-4577-A782-6142AB1EE955}" type="datetimeFigureOut">
               <a:rPr lang="es-BO" smtClean="0"/>
-              <a:t>14/11/2023</a:t>
+              <a:t>15/11/2023</a:t>
             </a:fld>
             <a:endParaRPr lang="es-BO"/>
           </a:p>
@@ -2023,7 +2025,7 @@
           <a:p>
             <a:fld id="{F53DEF25-7F0F-4577-A782-6142AB1EE955}" type="datetimeFigureOut">
               <a:rPr lang="es-BO" smtClean="0"/>
-              <a:t>14/11/2023</a:t>
+              <a:t>15/11/2023</a:t>
             </a:fld>
             <a:endParaRPr lang="es-BO"/>
           </a:p>
@@ -2136,7 +2138,7 @@
           <a:p>
             <a:fld id="{F53DEF25-7F0F-4577-A782-6142AB1EE955}" type="datetimeFigureOut">
               <a:rPr lang="es-BO" smtClean="0"/>
-              <a:t>14/11/2023</a:t>
+              <a:t>15/11/2023</a:t>
             </a:fld>
             <a:endParaRPr lang="es-BO"/>
           </a:p>
@@ -2449,7 +2451,7 @@
           <a:p>
             <a:fld id="{F53DEF25-7F0F-4577-A782-6142AB1EE955}" type="datetimeFigureOut">
               <a:rPr lang="es-BO" smtClean="0"/>
-              <a:t>14/11/2023</a:t>
+              <a:t>15/11/2023</a:t>
             </a:fld>
             <a:endParaRPr lang="es-BO"/>
           </a:p>
@@ -2738,7 +2740,7 @@
           <a:p>
             <a:fld id="{F53DEF25-7F0F-4577-A782-6142AB1EE955}" type="datetimeFigureOut">
               <a:rPr lang="es-BO" smtClean="0"/>
-              <a:t>14/11/2023</a:t>
+              <a:t>15/11/2023</a:t>
             </a:fld>
             <a:endParaRPr lang="es-BO"/>
           </a:p>
@@ -2981,7 +2983,7 @@
           <a:p>
             <a:fld id="{F53DEF25-7F0F-4577-A782-6142AB1EE955}" type="datetimeFigureOut">
               <a:rPr lang="es-BO" smtClean="0"/>
-              <a:t>14/11/2023</a:t>
+              <a:t>15/11/2023</a:t>
             </a:fld>
             <a:endParaRPr lang="es-BO"/>
           </a:p>
@@ -4940,7 +4942,7 @@
           <p:cNvPr id="2" name="Title 1">
             <a:extLst>
               <a:ext uri="{FF2B5EF4-FFF2-40B4-BE49-F238E27FC236}">
-                <a16:creationId xmlns:a16="http://schemas.microsoft.com/office/drawing/2014/main" id="{5A593DD1-4B02-71F7-7674-7FDF4B90F4BC}"/>
+                <a16:creationId xmlns:a16="http://schemas.microsoft.com/office/drawing/2014/main" id="{3B1DF516-62C9-E77F-580B-2ECAD6A170B0}"/>
               </a:ext>
             </a:extLst>
           </p:cNvPr>
@@ -4958,7 +4960,7 @@
           <a:p>
             <a:r>
               <a:rPr lang="en-CA" dirty="0"/>
-              <a:t>P-value and t-statistic</a:t>
+              <a:t>T-statistic to p-value</a:t>
             </a:r>
             <a:endParaRPr lang="es-BO" dirty="0"/>
           </a:p>
@@ -4969,7 +4971,7 @@
           <p:cNvPr id="3" name="Content Placeholder 2">
             <a:extLst>
               <a:ext uri="{FF2B5EF4-FFF2-40B4-BE49-F238E27FC236}">
-                <a16:creationId xmlns:a16="http://schemas.microsoft.com/office/drawing/2014/main" id="{21DF8E4E-9E17-A5D8-2F9A-25EF08147293}"/>
+                <a16:creationId xmlns:a16="http://schemas.microsoft.com/office/drawing/2014/main" id="{5227F805-5485-75EC-0B5E-3D3F7149AFDD}"/>
               </a:ext>
             </a:extLst>
           </p:cNvPr>
@@ -4987,7 +4989,7 @@
           <a:p>
             <a:r>
               <a:rPr lang="en-CA" dirty="0"/>
-              <a:t>P-values are calculated from t-statistics</a:t>
+              <a:t>So how do you go from a t-statistic to an inference about whether a hypothesis is correct?</a:t>
             </a:r>
           </a:p>
           <a:p>
@@ -4996,7 +4998,7 @@
           <a:p>
             <a:r>
               <a:rPr lang="en-CA" dirty="0"/>
-              <a:t>P-value conceptually: probability that the groups would be this different from one another if it was true that they were not from the same population</a:t>
+              <a:t>This is where things get (more) philosophical.</a:t>
             </a:r>
             <a:endParaRPr lang="es-BO" dirty="0"/>
           </a:p>
@@ -5005,7 +5007,7 @@
     </p:spTree>
     <p:extLst>
       <p:ext uri="{BB962C8B-B14F-4D97-AF65-F5344CB8AC3E}">
-        <p14:creationId xmlns:p14="http://schemas.microsoft.com/office/powerpoint/2010/main" val="1294341180"/>
+        <p14:creationId xmlns:p14="http://schemas.microsoft.com/office/powerpoint/2010/main" val="4294094866"/>
       </p:ext>
     </p:extLst>
   </p:cSld>
@@ -5034,38 +5036,10 @@
       </p:grpSpPr>
       <p:sp>
         <p:nvSpPr>
-          <p:cNvPr id="2" name="Title 1">
-            <a:extLst>
-              <a:ext uri="{FF2B5EF4-FFF2-40B4-BE49-F238E27FC236}">
-                <a16:creationId xmlns:a16="http://schemas.microsoft.com/office/drawing/2014/main" id="{5094EAB1-3745-9344-0828-B8FE756BA1F0}"/>
-              </a:ext>
-            </a:extLst>
-          </p:cNvPr>
-          <p:cNvSpPr>
-            <a:spLocks noGrp="1"/>
-          </p:cNvSpPr>
-          <p:nvPr>
-            <p:ph type="title"/>
-          </p:nvPr>
-        </p:nvSpPr>
-        <p:spPr/>
-        <p:txBody>
-          <a:bodyPr/>
-          <a:lstStyle/>
-          <a:p>
-            <a:r>
-              <a:rPr lang="en-CA" dirty="0"/>
-              <a:t>Probability distributions</a:t>
-            </a:r>
-          </a:p>
-        </p:txBody>
-      </p:sp>
-      <p:sp>
-        <p:nvSpPr>
           <p:cNvPr id="3" name="Content Placeholder 2">
             <a:extLst>
               <a:ext uri="{FF2B5EF4-FFF2-40B4-BE49-F238E27FC236}">
-                <a16:creationId xmlns:a16="http://schemas.microsoft.com/office/drawing/2014/main" id="{C36769B6-3D9A-1AE8-BECE-09112B909C8C}"/>
+                <a16:creationId xmlns:a16="http://schemas.microsoft.com/office/drawing/2014/main" id="{4B1100E0-4892-D0AD-1BFC-68092220DCB8}"/>
               </a:ext>
             </a:extLst>
           </p:cNvPr>
@@ -5081,34 +5055,48 @@
           <a:bodyPr/>
           <a:lstStyle/>
           <a:p>
+            <a:pPr marL="0" indent="0">
+              <a:buNone/>
+            </a:pPr>
             <a:r>
               <a:rPr lang="en-CA" dirty="0"/>
-              <a:t>A probability distribution is a list of all possible outcomes and their corresponding probabilities.</a:t>
-            </a:r>
-          </a:p>
-          <a:p>
-            <a:endParaRPr lang="en-CA" dirty="0"/>
-          </a:p>
-          <a:p>
+              <a:t>Is it possible to judge hypotheses based </a:t>
+            </a:r>
+            <a:r>
+              <a:rPr lang="en-CA" i="1" dirty="0"/>
+              <a:t>solely </a:t>
+            </a:r>
             <a:r>
               <a:rPr lang="en-CA" dirty="0"/>
-              <a:t>What’s the probability distribution of a coin toss?</a:t>
-            </a:r>
-          </a:p>
-          <a:p>
-            <a:pPr lvl="1"/>
-            <a:endParaRPr lang="en-CA" dirty="0"/>
-          </a:p>
-          <a:p>
-            <a:pPr lvl="1"/>
-            <a:endParaRPr lang="en-CA" dirty="0"/>
+              <a:t>on how likely or unlikely an observation would be if those hypotheses were true? – Clayton 2018 </a:t>
+            </a:r>
+            <a:r>
+              <a:rPr lang="en-CA" i="1" dirty="0" err="1"/>
+              <a:t>Bernouilli’s</a:t>
+            </a:r>
+            <a:r>
+              <a:rPr lang="en-CA" i="1" dirty="0"/>
+              <a:t> fallacy</a:t>
+            </a:r>
+          </a:p>
+          <a:p>
+            <a:pPr marL="0" indent="0">
+              <a:buNone/>
+            </a:pPr>
+            <a:endParaRPr lang="en-CA" i="1" dirty="0"/>
+          </a:p>
+          <a:p>
+            <a:pPr marL="0" indent="0">
+              <a:buNone/>
+            </a:pPr>
+            <a:endParaRPr lang="es-BO" dirty="0"/>
           </a:p>
         </p:txBody>
       </p:sp>
     </p:spTree>
     <p:extLst>
       <p:ext uri="{BB962C8B-B14F-4D97-AF65-F5344CB8AC3E}">
-        <p14:creationId xmlns:p14="http://schemas.microsoft.com/office/powerpoint/2010/main" val="268640000"/>
+        <p14:creationId xmlns:p14="http://schemas.microsoft.com/office/powerpoint/2010/main" val="2071649852"/>
       </p:ext>
     </p:extLst>
   </p:cSld>
@@ -5245,6 +5233,103 @@
           <p:cNvPr id="2" name="Title 1">
             <a:extLst>
               <a:ext uri="{FF2B5EF4-FFF2-40B4-BE49-F238E27FC236}">
+                <a16:creationId xmlns:a16="http://schemas.microsoft.com/office/drawing/2014/main" id="{5A593DD1-4B02-71F7-7674-7FDF4B90F4BC}"/>
+              </a:ext>
+            </a:extLst>
+          </p:cNvPr>
+          <p:cNvSpPr>
+            <a:spLocks noGrp="1"/>
+          </p:cNvSpPr>
+          <p:nvPr>
+            <p:ph type="title"/>
+          </p:nvPr>
+        </p:nvSpPr>
+        <p:spPr/>
+        <p:txBody>
+          <a:bodyPr/>
+          <a:lstStyle/>
+          <a:p>
+            <a:r>
+              <a:rPr lang="en-CA" dirty="0"/>
+              <a:t>P-value and t-statistic</a:t>
+            </a:r>
+            <a:endParaRPr lang="es-BO" dirty="0"/>
+          </a:p>
+        </p:txBody>
+      </p:sp>
+      <p:sp>
+        <p:nvSpPr>
+          <p:cNvPr id="3" name="Content Placeholder 2">
+            <a:extLst>
+              <a:ext uri="{FF2B5EF4-FFF2-40B4-BE49-F238E27FC236}">
+                <a16:creationId xmlns:a16="http://schemas.microsoft.com/office/drawing/2014/main" id="{21DF8E4E-9E17-A5D8-2F9A-25EF08147293}"/>
+              </a:ext>
+            </a:extLst>
+          </p:cNvPr>
+          <p:cNvSpPr>
+            <a:spLocks noGrp="1"/>
+          </p:cNvSpPr>
+          <p:nvPr>
+            <p:ph idx="1"/>
+          </p:nvPr>
+        </p:nvSpPr>
+        <p:spPr/>
+        <p:txBody>
+          <a:bodyPr/>
+          <a:lstStyle/>
+          <a:p>
+            <a:r>
+              <a:rPr lang="en-CA" dirty="0"/>
+              <a:t>P-values are calculated from t-statistics</a:t>
+            </a:r>
+          </a:p>
+          <a:p>
+            <a:endParaRPr lang="en-CA" dirty="0"/>
+          </a:p>
+          <a:p>
+            <a:r>
+              <a:rPr lang="en-CA" dirty="0"/>
+              <a:t>P-value conceptually: probability that the groups would be this different from one another if it was true that they were not from the same population</a:t>
+            </a:r>
+            <a:endParaRPr lang="es-BO" dirty="0"/>
+          </a:p>
+        </p:txBody>
+      </p:sp>
+    </p:spTree>
+    <p:extLst>
+      <p:ext uri="{BB962C8B-B14F-4D97-AF65-F5344CB8AC3E}">
+        <p14:creationId xmlns:p14="http://schemas.microsoft.com/office/powerpoint/2010/main" val="1294341180"/>
+      </p:ext>
+    </p:extLst>
+  </p:cSld>
+  <p:clrMapOvr>
+    <a:masterClrMapping/>
+  </p:clrMapOvr>
+</p:sld>
+</file>
+
+<file path=ppt/slides/slide21.xml><?xml version="1.0" encoding="utf-8"?>
+<p:sld xmlns:a="http://schemas.openxmlformats.org/drawingml/2006/main" xmlns:r="http://schemas.openxmlformats.org/officeDocument/2006/relationships" xmlns:p="http://schemas.openxmlformats.org/presentationml/2006/main">
+  <p:cSld>
+    <p:spTree>
+      <p:nvGrpSpPr>
+        <p:cNvPr id="1" name=""/>
+        <p:cNvGrpSpPr/>
+        <p:nvPr/>
+      </p:nvGrpSpPr>
+      <p:grpSpPr>
+        <a:xfrm>
+          <a:off x="0" y="0"/>
+          <a:ext cx="0" cy="0"/>
+          <a:chOff x="0" y="0"/>
+          <a:chExt cx="0" cy="0"/>
+        </a:xfrm>
+      </p:grpSpPr>
+      <p:sp>
+        <p:nvSpPr>
+          <p:cNvPr id="2" name="Title 1">
+            <a:extLst>
+              <a:ext uri="{FF2B5EF4-FFF2-40B4-BE49-F238E27FC236}">
                 <a16:creationId xmlns:a16="http://schemas.microsoft.com/office/drawing/2014/main" id="{5094EAB1-3745-9344-0828-B8FE756BA1F0}"/>
               </a:ext>
             </a:extLst>
@@ -5291,6 +5376,109 @@
           <a:p>
             <a:r>
               <a:rPr lang="en-CA" dirty="0"/>
+              <a:t>A probability distribution is a list of all possible outcomes and their corresponding probabilities.</a:t>
+            </a:r>
+          </a:p>
+          <a:p>
+            <a:endParaRPr lang="en-CA" dirty="0"/>
+          </a:p>
+          <a:p>
+            <a:r>
+              <a:rPr lang="en-CA" dirty="0"/>
+              <a:t>What’s the probability distribution of a coin toss?</a:t>
+            </a:r>
+          </a:p>
+          <a:p>
+            <a:pPr lvl="1"/>
+            <a:endParaRPr lang="en-CA" dirty="0"/>
+          </a:p>
+          <a:p>
+            <a:pPr lvl="1"/>
+            <a:endParaRPr lang="en-CA" dirty="0"/>
+          </a:p>
+        </p:txBody>
+      </p:sp>
+    </p:spTree>
+    <p:extLst>
+      <p:ext uri="{BB962C8B-B14F-4D97-AF65-F5344CB8AC3E}">
+        <p14:creationId xmlns:p14="http://schemas.microsoft.com/office/powerpoint/2010/main" val="268640000"/>
+      </p:ext>
+    </p:extLst>
+  </p:cSld>
+  <p:clrMapOvr>
+    <a:masterClrMapping/>
+  </p:clrMapOvr>
+</p:sld>
+</file>
+
+<file path=ppt/slides/slide22.xml><?xml version="1.0" encoding="utf-8"?>
+<p:sld xmlns:a="http://schemas.openxmlformats.org/drawingml/2006/main" xmlns:r="http://schemas.openxmlformats.org/officeDocument/2006/relationships" xmlns:p="http://schemas.openxmlformats.org/presentationml/2006/main">
+  <p:cSld>
+    <p:spTree>
+      <p:nvGrpSpPr>
+        <p:cNvPr id="1" name=""/>
+        <p:cNvGrpSpPr/>
+        <p:nvPr/>
+      </p:nvGrpSpPr>
+      <p:grpSpPr>
+        <a:xfrm>
+          <a:off x="0" y="0"/>
+          <a:ext cx="0" cy="0"/>
+          <a:chOff x="0" y="0"/>
+          <a:chExt cx="0" cy="0"/>
+        </a:xfrm>
+      </p:grpSpPr>
+      <p:sp>
+        <p:nvSpPr>
+          <p:cNvPr id="2" name="Title 1">
+            <a:extLst>
+              <a:ext uri="{FF2B5EF4-FFF2-40B4-BE49-F238E27FC236}">
+                <a16:creationId xmlns:a16="http://schemas.microsoft.com/office/drawing/2014/main" id="{5094EAB1-3745-9344-0828-B8FE756BA1F0}"/>
+              </a:ext>
+            </a:extLst>
+          </p:cNvPr>
+          <p:cNvSpPr>
+            <a:spLocks noGrp="1"/>
+          </p:cNvSpPr>
+          <p:nvPr>
+            <p:ph type="title"/>
+          </p:nvPr>
+        </p:nvSpPr>
+        <p:spPr/>
+        <p:txBody>
+          <a:bodyPr/>
+          <a:lstStyle/>
+          <a:p>
+            <a:r>
+              <a:rPr lang="en-CA" dirty="0"/>
+              <a:t>Probability distributions</a:t>
+            </a:r>
+          </a:p>
+        </p:txBody>
+      </p:sp>
+      <p:sp>
+        <p:nvSpPr>
+          <p:cNvPr id="3" name="Content Placeholder 2">
+            <a:extLst>
+              <a:ext uri="{FF2B5EF4-FFF2-40B4-BE49-F238E27FC236}">
+                <a16:creationId xmlns:a16="http://schemas.microsoft.com/office/drawing/2014/main" id="{C36769B6-3D9A-1AE8-BECE-09112B909C8C}"/>
+              </a:ext>
+            </a:extLst>
+          </p:cNvPr>
+          <p:cNvSpPr>
+            <a:spLocks noGrp="1"/>
+          </p:cNvSpPr>
+          <p:nvPr>
+            <p:ph idx="1"/>
+          </p:nvPr>
+        </p:nvSpPr>
+        <p:spPr/>
+        <p:txBody>
+          <a:bodyPr/>
+          <a:lstStyle/>
+          <a:p>
+            <a:r>
+              <a:rPr lang="en-CA" dirty="0"/>
               <a:t>“A probability distribution is a list of all possible outcomes and their corresponding probabilities.”</a:t>
             </a:r>
           </a:p>
@@ -5366,7 +5554,7 @@
 </p:sld>
 </file>
 
-<file path=ppt/slides/slide21.xml><?xml version="1.0" encoding="utf-8"?>
+<file path=ppt/slides/slide23.xml><?xml version="1.0" encoding="utf-8"?>
 <p:sld xmlns:a="http://schemas.openxmlformats.org/drawingml/2006/main" xmlns:r="http://schemas.openxmlformats.org/officeDocument/2006/relationships" xmlns:p="http://schemas.openxmlformats.org/presentationml/2006/main">
   <p:cSld>
     <p:spTree>
@@ -5470,7 +5658,7 @@
 </p:sld>
 </file>
 
-<file path=ppt/slides/slide22.xml><?xml version="1.0" encoding="utf-8"?>
+<file path=ppt/slides/slide24.xml><?xml version="1.0" encoding="utf-8"?>
 <p:sld xmlns:a="http://schemas.openxmlformats.org/drawingml/2006/main" xmlns:r="http://schemas.openxmlformats.org/officeDocument/2006/relationships" xmlns:p="http://schemas.openxmlformats.org/presentationml/2006/main">
   <p:cSld>
     <p:spTree>
@@ -5594,7 +5782,7 @@
 </p:sld>
 </file>
 
-<file path=ppt/slides/slide23.xml><?xml version="1.0" encoding="utf-8"?>
+<file path=ppt/slides/slide25.xml><?xml version="1.0" encoding="utf-8"?>
 <p:sld xmlns:a="http://schemas.openxmlformats.org/drawingml/2006/main" xmlns:r="http://schemas.openxmlformats.org/officeDocument/2006/relationships" xmlns:p="http://schemas.openxmlformats.org/presentationml/2006/main">
   <p:cSld>
     <p:spTree>
@@ -5726,7 +5914,7 @@
 </p:sld>
 </file>
 
-<file path=ppt/slides/slide24.xml><?xml version="1.0" encoding="utf-8"?>
+<file path=ppt/slides/slide26.xml><?xml version="1.0" encoding="utf-8"?>
 <p:sld xmlns:a="http://schemas.openxmlformats.org/drawingml/2006/main" xmlns:r="http://schemas.openxmlformats.org/officeDocument/2006/relationships" xmlns:p="http://schemas.openxmlformats.org/presentationml/2006/main">
   <p:cSld>
     <p:spTree>
@@ -5858,7 +6046,7 @@
 </p:sld>
 </file>
 
-<file path=ppt/slides/slide25.xml><?xml version="1.0" encoding="utf-8"?>
+<file path=ppt/slides/slide27.xml><?xml version="1.0" encoding="utf-8"?>
 <p:sld xmlns:a="http://schemas.openxmlformats.org/drawingml/2006/main" xmlns:r="http://schemas.openxmlformats.org/officeDocument/2006/relationships" xmlns:p="http://schemas.openxmlformats.org/presentationml/2006/main">
   <p:cSld>
     <p:spTree>
@@ -5990,7 +6178,7 @@
 </p:sld>
 </file>
 
-<file path=ppt/slides/slide26.xml><?xml version="1.0" encoding="utf-8"?>
+<file path=ppt/slides/slide28.xml><?xml version="1.0" encoding="utf-8"?>
 <p:sld xmlns:a="http://schemas.openxmlformats.org/drawingml/2006/main" xmlns:r="http://schemas.openxmlformats.org/officeDocument/2006/relationships" xmlns:p="http://schemas.openxmlformats.org/presentationml/2006/main">
   <p:cSld>
     <p:spTree>
@@ -6120,7 +6308,7 @@
 </p:sld>
 </file>
 
-<file path=ppt/slides/slide27.xml><?xml version="1.0" encoding="utf-8"?>
+<file path=ppt/slides/slide29.xml><?xml version="1.0" encoding="utf-8"?>
 <p:sld xmlns:a="http://schemas.openxmlformats.org/drawingml/2006/main" xmlns:r="http://schemas.openxmlformats.org/officeDocument/2006/relationships" xmlns:p="http://schemas.openxmlformats.org/presentationml/2006/main">
   <p:cSld>
     <p:spTree>
@@ -6228,271 +6416,6 @@
     <p:extLst>
       <p:ext uri="{BB962C8B-B14F-4D97-AF65-F5344CB8AC3E}">
         <p14:creationId xmlns:p14="http://schemas.microsoft.com/office/powerpoint/2010/main" val="1875270726"/>
-      </p:ext>
-    </p:extLst>
-  </p:cSld>
-  <p:clrMapOvr>
-    <a:masterClrMapping/>
-  </p:clrMapOvr>
-</p:sld>
-</file>
-
-<file path=ppt/slides/slide28.xml><?xml version="1.0" encoding="utf-8"?>
-<p:sld xmlns:a="http://schemas.openxmlformats.org/drawingml/2006/main" xmlns:r="http://schemas.openxmlformats.org/officeDocument/2006/relationships" xmlns:p="http://schemas.openxmlformats.org/presentationml/2006/main">
-  <p:cSld>
-    <p:spTree>
-      <p:nvGrpSpPr>
-        <p:cNvPr id="1" name=""/>
-        <p:cNvGrpSpPr/>
-        <p:nvPr/>
-      </p:nvGrpSpPr>
-      <p:grpSpPr>
-        <a:xfrm>
-          <a:off x="0" y="0"/>
-          <a:ext cx="0" cy="0"/>
-          <a:chOff x="0" y="0"/>
-          <a:chExt cx="0" cy="0"/>
-        </a:xfrm>
-      </p:grpSpPr>
-      <p:sp>
-        <p:nvSpPr>
-          <p:cNvPr id="2" name="Title 1">
-            <a:extLst>
-              <a:ext uri="{FF2B5EF4-FFF2-40B4-BE49-F238E27FC236}">
-                <a16:creationId xmlns:a16="http://schemas.microsoft.com/office/drawing/2014/main" id="{FA5C8AB6-45FA-4869-24C9-5736340F2117}"/>
-              </a:ext>
-            </a:extLst>
-          </p:cNvPr>
-          <p:cNvSpPr>
-            <a:spLocks noGrp="1"/>
-          </p:cNvSpPr>
-          <p:nvPr>
-            <p:ph type="title"/>
-          </p:nvPr>
-        </p:nvSpPr>
-        <p:spPr/>
-        <p:txBody>
-          <a:bodyPr/>
-          <a:lstStyle/>
-          <a:p>
-            <a:r>
-              <a:rPr lang="en-CA" dirty="0"/>
-              <a:t>P-value</a:t>
-            </a:r>
-          </a:p>
-        </p:txBody>
-      </p:sp>
-      <p:sp>
-        <p:nvSpPr>
-          <p:cNvPr id="3" name="Content Placeholder 2">
-            <a:extLst>
-              <a:ext uri="{FF2B5EF4-FFF2-40B4-BE49-F238E27FC236}">
-                <a16:creationId xmlns:a16="http://schemas.microsoft.com/office/drawing/2014/main" id="{BF093EDA-890E-7820-5ADC-F39DD0E52816}"/>
-              </a:ext>
-            </a:extLst>
-          </p:cNvPr>
-          <p:cNvSpPr>
-            <a:spLocks noGrp="1"/>
-          </p:cNvSpPr>
-          <p:nvPr>
-            <p:ph idx="1"/>
-          </p:nvPr>
-        </p:nvSpPr>
-        <p:spPr>
-          <a:xfrm>
-            <a:off x="838200" y="1825624"/>
-            <a:ext cx="10515600" cy="4803775"/>
-          </a:xfrm>
-        </p:spPr>
-        <p:txBody>
-          <a:bodyPr>
-            <a:normAutofit lnSpcReduction="10000"/>
-          </a:bodyPr>
-          <a:lstStyle/>
-          <a:p>
-            <a:r>
-              <a:rPr lang="en-CA" dirty="0"/>
-              <a:t>What is a p-value? </a:t>
-            </a:r>
-          </a:p>
-          <a:p>
-            <a:pPr lvl="1"/>
-            <a:r>
-              <a:rPr lang="en-CA" dirty="0"/>
-              <a:t>Its an interval probability in relation to a hypothetical distribution that imagines you performed an experiment forever (or gathered data forever).</a:t>
-            </a:r>
-          </a:p>
-          <a:p>
-            <a:r>
-              <a:rPr lang="en-CA" dirty="0"/>
-              <a:t>How is it calculated? </a:t>
-            </a:r>
-          </a:p>
-          <a:p>
-            <a:pPr lvl="1"/>
-            <a:r>
-              <a:rPr lang="en-CA" dirty="0"/>
-              <a:t>You need a t statistic (z statistic) and a probability distribution (a t distribution if you are doing a t test) -imaginary hypothetical distribution of values we assume if there was no difference between your groups or no relationship between your variables.</a:t>
-            </a:r>
-          </a:p>
-          <a:p>
-            <a:r>
-              <a:rPr lang="en-CA" dirty="0"/>
-              <a:t>Why is it calculated this way?</a:t>
-            </a:r>
-          </a:p>
-          <a:p>
-            <a:pPr lvl="1"/>
-            <a:r>
-              <a:rPr lang="en-CA" dirty="0"/>
-              <a:t>There’s a complicated historical reason for this - but basically you are calculating the probability of your data given a null hypothesis.</a:t>
-            </a:r>
-          </a:p>
-          <a:p>
-            <a:pPr lvl="1"/>
-            <a:r>
-              <a:rPr lang="en-CA" dirty="0"/>
-              <a:t>You are not doing the more intuitive thing of calculating the probability of your hypothesis given your data. </a:t>
-            </a:r>
-          </a:p>
-        </p:txBody>
-      </p:sp>
-    </p:spTree>
-    <p:extLst>
-      <p:ext uri="{BB962C8B-B14F-4D97-AF65-F5344CB8AC3E}">
-        <p14:creationId xmlns:p14="http://schemas.microsoft.com/office/powerpoint/2010/main" val="3546907246"/>
-      </p:ext>
-    </p:extLst>
-  </p:cSld>
-  <p:clrMapOvr>
-    <a:masterClrMapping/>
-  </p:clrMapOvr>
-</p:sld>
-</file>
-
-<file path=ppt/slides/slide29.xml><?xml version="1.0" encoding="utf-8"?>
-<p:sld xmlns:a="http://schemas.openxmlformats.org/drawingml/2006/main" xmlns:r="http://schemas.openxmlformats.org/officeDocument/2006/relationships" xmlns:p="http://schemas.openxmlformats.org/presentationml/2006/main">
-  <p:cSld>
-    <p:spTree>
-      <p:nvGrpSpPr>
-        <p:cNvPr id="1" name=""/>
-        <p:cNvGrpSpPr/>
-        <p:nvPr/>
-      </p:nvGrpSpPr>
-      <p:grpSpPr>
-        <a:xfrm>
-          <a:off x="0" y="0"/>
-          <a:ext cx="0" cy="0"/>
-          <a:chOff x="0" y="0"/>
-          <a:chExt cx="0" cy="0"/>
-        </a:xfrm>
-      </p:grpSpPr>
-      <p:sp>
-        <p:nvSpPr>
-          <p:cNvPr id="2" name="Title 1">
-            <a:extLst>
-              <a:ext uri="{FF2B5EF4-FFF2-40B4-BE49-F238E27FC236}">
-                <a16:creationId xmlns:a16="http://schemas.microsoft.com/office/drawing/2014/main" id="{AA197CF8-AD9E-9B5A-E4B7-D427297EF715}"/>
-              </a:ext>
-            </a:extLst>
-          </p:cNvPr>
-          <p:cNvSpPr>
-            <a:spLocks noGrp="1"/>
-          </p:cNvSpPr>
-          <p:nvPr>
-            <p:ph type="title"/>
-          </p:nvPr>
-        </p:nvSpPr>
-        <p:spPr/>
-        <p:txBody>
-          <a:bodyPr/>
-          <a:lstStyle/>
-          <a:p>
-            <a:r>
-              <a:rPr lang="en-CA" dirty="0"/>
-              <a:t>P-value</a:t>
-            </a:r>
-            <a:endParaRPr lang="es-BO" dirty="0"/>
-          </a:p>
-        </p:txBody>
-      </p:sp>
-      <p:sp>
-        <p:nvSpPr>
-          <p:cNvPr id="3" name="Content Placeholder 2">
-            <a:extLst>
-              <a:ext uri="{FF2B5EF4-FFF2-40B4-BE49-F238E27FC236}">
-                <a16:creationId xmlns:a16="http://schemas.microsoft.com/office/drawing/2014/main" id="{8E7C6959-E775-782E-B586-127707CEB1B1}"/>
-              </a:ext>
-            </a:extLst>
-          </p:cNvPr>
-          <p:cNvSpPr>
-            <a:spLocks noGrp="1"/>
-          </p:cNvSpPr>
-          <p:nvPr>
-            <p:ph idx="1"/>
-          </p:nvPr>
-        </p:nvSpPr>
-        <p:spPr>
-          <a:xfrm>
-            <a:off x="838200" y="1825625"/>
-            <a:ext cx="4872318" cy="4351338"/>
-          </a:xfrm>
-        </p:spPr>
-        <p:txBody>
-          <a:bodyPr/>
-          <a:lstStyle/>
-          <a:p>
-            <a:r>
-              <a:rPr lang="en-CA" dirty="0"/>
-              <a:t>Imagine running the test for t over and over again – you would get a distribution of t statistics</a:t>
-            </a:r>
-          </a:p>
-          <a:p>
-            <a:endParaRPr lang="en-CA" dirty="0"/>
-          </a:p>
-          <a:p>
-            <a:r>
-              <a:rPr lang="en-CA" dirty="0"/>
-              <a:t>The p-value is a calculation of how likely that t statistic is according to that distribution (called the t distribution)</a:t>
-            </a:r>
-            <a:endParaRPr lang="es-BO" dirty="0"/>
-          </a:p>
-        </p:txBody>
-      </p:sp>
-      <p:pic>
-        <p:nvPicPr>
-          <p:cNvPr id="5" name="Picture 4">
-            <a:extLst>
-              <a:ext uri="{FF2B5EF4-FFF2-40B4-BE49-F238E27FC236}">
-                <a16:creationId xmlns:a16="http://schemas.microsoft.com/office/drawing/2014/main" id="{0D31DFDF-3713-07A7-503F-5C4B4F80206C}"/>
-              </a:ext>
-            </a:extLst>
-          </p:cNvPr>
-          <p:cNvPicPr>
-            <a:picLocks noChangeAspect="1"/>
-          </p:cNvPicPr>
-          <p:nvPr/>
-        </p:nvPicPr>
-        <p:blipFill>
-          <a:blip r:embed="rId2"/>
-          <a:stretch>
-            <a:fillRect/>
-          </a:stretch>
-        </p:blipFill>
-        <p:spPr>
-          <a:xfrm>
-            <a:off x="5982371" y="2008504"/>
-            <a:ext cx="6104697" cy="3961989"/>
-          </a:xfrm>
-          <a:prstGeom prst="rect">
-            <a:avLst/>
-          </a:prstGeom>
-        </p:spPr>
-      </p:pic>
-    </p:spTree>
-    <p:extLst>
-      <p:ext uri="{BB962C8B-B14F-4D97-AF65-F5344CB8AC3E}">
-        <p14:creationId xmlns:p14="http://schemas.microsoft.com/office/powerpoint/2010/main" val="608004697"/>
       </p:ext>
     </p:extLst>
   </p:cSld>
@@ -6662,6 +6585,271 @@
           <p:cNvPr id="2" name="Title 1">
             <a:extLst>
               <a:ext uri="{FF2B5EF4-FFF2-40B4-BE49-F238E27FC236}">
+                <a16:creationId xmlns:a16="http://schemas.microsoft.com/office/drawing/2014/main" id="{FA5C8AB6-45FA-4869-24C9-5736340F2117}"/>
+              </a:ext>
+            </a:extLst>
+          </p:cNvPr>
+          <p:cNvSpPr>
+            <a:spLocks noGrp="1"/>
+          </p:cNvSpPr>
+          <p:nvPr>
+            <p:ph type="title"/>
+          </p:nvPr>
+        </p:nvSpPr>
+        <p:spPr/>
+        <p:txBody>
+          <a:bodyPr/>
+          <a:lstStyle/>
+          <a:p>
+            <a:r>
+              <a:rPr lang="en-CA" dirty="0"/>
+              <a:t>P-value</a:t>
+            </a:r>
+          </a:p>
+        </p:txBody>
+      </p:sp>
+      <p:sp>
+        <p:nvSpPr>
+          <p:cNvPr id="3" name="Content Placeholder 2">
+            <a:extLst>
+              <a:ext uri="{FF2B5EF4-FFF2-40B4-BE49-F238E27FC236}">
+                <a16:creationId xmlns:a16="http://schemas.microsoft.com/office/drawing/2014/main" id="{BF093EDA-890E-7820-5ADC-F39DD0E52816}"/>
+              </a:ext>
+            </a:extLst>
+          </p:cNvPr>
+          <p:cNvSpPr>
+            <a:spLocks noGrp="1"/>
+          </p:cNvSpPr>
+          <p:nvPr>
+            <p:ph idx="1"/>
+          </p:nvPr>
+        </p:nvSpPr>
+        <p:spPr>
+          <a:xfrm>
+            <a:off x="838200" y="1825624"/>
+            <a:ext cx="10515600" cy="4803775"/>
+          </a:xfrm>
+        </p:spPr>
+        <p:txBody>
+          <a:bodyPr>
+            <a:normAutofit lnSpcReduction="10000"/>
+          </a:bodyPr>
+          <a:lstStyle/>
+          <a:p>
+            <a:r>
+              <a:rPr lang="en-CA" dirty="0"/>
+              <a:t>What is a p-value? </a:t>
+            </a:r>
+          </a:p>
+          <a:p>
+            <a:pPr lvl="1"/>
+            <a:r>
+              <a:rPr lang="en-CA" dirty="0"/>
+              <a:t>Its an interval probability in relation to a hypothetical distribution that imagines you performed an experiment forever (or gathered data forever).</a:t>
+            </a:r>
+          </a:p>
+          <a:p>
+            <a:r>
+              <a:rPr lang="en-CA" dirty="0"/>
+              <a:t>How is it calculated? </a:t>
+            </a:r>
+          </a:p>
+          <a:p>
+            <a:pPr lvl="1"/>
+            <a:r>
+              <a:rPr lang="en-CA" dirty="0"/>
+              <a:t>You need a t statistic (z statistic) and a probability distribution (a t distribution if you are doing a t test) -imaginary hypothetical distribution of values we assume if there was no difference between your groups or no relationship between your variables.</a:t>
+            </a:r>
+          </a:p>
+          <a:p>
+            <a:r>
+              <a:rPr lang="en-CA" dirty="0"/>
+              <a:t>Why is it calculated this way?</a:t>
+            </a:r>
+          </a:p>
+          <a:p>
+            <a:pPr lvl="1"/>
+            <a:r>
+              <a:rPr lang="en-CA" dirty="0"/>
+              <a:t>There’s a complicated historical reason for this - but basically you are calculating the probability of your data given a null hypothesis.</a:t>
+            </a:r>
+          </a:p>
+          <a:p>
+            <a:pPr lvl="1"/>
+            <a:r>
+              <a:rPr lang="en-CA" dirty="0"/>
+              <a:t>You are not doing the more intuitive thing of calculating the probability of your hypothesis given your data. </a:t>
+            </a:r>
+          </a:p>
+        </p:txBody>
+      </p:sp>
+    </p:spTree>
+    <p:extLst>
+      <p:ext uri="{BB962C8B-B14F-4D97-AF65-F5344CB8AC3E}">
+        <p14:creationId xmlns:p14="http://schemas.microsoft.com/office/powerpoint/2010/main" val="3546907246"/>
+      </p:ext>
+    </p:extLst>
+  </p:cSld>
+  <p:clrMapOvr>
+    <a:masterClrMapping/>
+  </p:clrMapOvr>
+</p:sld>
+</file>
+
+<file path=ppt/slides/slide31.xml><?xml version="1.0" encoding="utf-8"?>
+<p:sld xmlns:a="http://schemas.openxmlformats.org/drawingml/2006/main" xmlns:r="http://schemas.openxmlformats.org/officeDocument/2006/relationships" xmlns:p="http://schemas.openxmlformats.org/presentationml/2006/main">
+  <p:cSld>
+    <p:spTree>
+      <p:nvGrpSpPr>
+        <p:cNvPr id="1" name=""/>
+        <p:cNvGrpSpPr/>
+        <p:nvPr/>
+      </p:nvGrpSpPr>
+      <p:grpSpPr>
+        <a:xfrm>
+          <a:off x="0" y="0"/>
+          <a:ext cx="0" cy="0"/>
+          <a:chOff x="0" y="0"/>
+          <a:chExt cx="0" cy="0"/>
+        </a:xfrm>
+      </p:grpSpPr>
+      <p:sp>
+        <p:nvSpPr>
+          <p:cNvPr id="2" name="Title 1">
+            <a:extLst>
+              <a:ext uri="{FF2B5EF4-FFF2-40B4-BE49-F238E27FC236}">
+                <a16:creationId xmlns:a16="http://schemas.microsoft.com/office/drawing/2014/main" id="{AA197CF8-AD9E-9B5A-E4B7-D427297EF715}"/>
+              </a:ext>
+            </a:extLst>
+          </p:cNvPr>
+          <p:cNvSpPr>
+            <a:spLocks noGrp="1"/>
+          </p:cNvSpPr>
+          <p:nvPr>
+            <p:ph type="title"/>
+          </p:nvPr>
+        </p:nvSpPr>
+        <p:spPr/>
+        <p:txBody>
+          <a:bodyPr/>
+          <a:lstStyle/>
+          <a:p>
+            <a:r>
+              <a:rPr lang="en-CA" dirty="0"/>
+              <a:t>P-value</a:t>
+            </a:r>
+            <a:endParaRPr lang="es-BO" dirty="0"/>
+          </a:p>
+        </p:txBody>
+      </p:sp>
+      <p:sp>
+        <p:nvSpPr>
+          <p:cNvPr id="3" name="Content Placeholder 2">
+            <a:extLst>
+              <a:ext uri="{FF2B5EF4-FFF2-40B4-BE49-F238E27FC236}">
+                <a16:creationId xmlns:a16="http://schemas.microsoft.com/office/drawing/2014/main" id="{8E7C6959-E775-782E-B586-127707CEB1B1}"/>
+              </a:ext>
+            </a:extLst>
+          </p:cNvPr>
+          <p:cNvSpPr>
+            <a:spLocks noGrp="1"/>
+          </p:cNvSpPr>
+          <p:nvPr>
+            <p:ph idx="1"/>
+          </p:nvPr>
+        </p:nvSpPr>
+        <p:spPr>
+          <a:xfrm>
+            <a:off x="838200" y="1825625"/>
+            <a:ext cx="4872318" cy="4351338"/>
+          </a:xfrm>
+        </p:spPr>
+        <p:txBody>
+          <a:bodyPr/>
+          <a:lstStyle/>
+          <a:p>
+            <a:r>
+              <a:rPr lang="en-CA" dirty="0"/>
+              <a:t>Imagine running the test for t over and over again – you would get a distribution of t statistics</a:t>
+            </a:r>
+          </a:p>
+          <a:p>
+            <a:endParaRPr lang="en-CA" dirty="0"/>
+          </a:p>
+          <a:p>
+            <a:r>
+              <a:rPr lang="en-CA" dirty="0"/>
+              <a:t>The p-value is a calculation of how likely that t statistic is according to that distribution (called the t distribution)</a:t>
+            </a:r>
+            <a:endParaRPr lang="es-BO" dirty="0"/>
+          </a:p>
+        </p:txBody>
+      </p:sp>
+      <p:pic>
+        <p:nvPicPr>
+          <p:cNvPr id="5" name="Picture 4">
+            <a:extLst>
+              <a:ext uri="{FF2B5EF4-FFF2-40B4-BE49-F238E27FC236}">
+                <a16:creationId xmlns:a16="http://schemas.microsoft.com/office/drawing/2014/main" id="{0D31DFDF-3713-07A7-503F-5C4B4F80206C}"/>
+              </a:ext>
+            </a:extLst>
+          </p:cNvPr>
+          <p:cNvPicPr>
+            <a:picLocks noChangeAspect="1"/>
+          </p:cNvPicPr>
+          <p:nvPr/>
+        </p:nvPicPr>
+        <p:blipFill>
+          <a:blip r:embed="rId2"/>
+          <a:stretch>
+            <a:fillRect/>
+          </a:stretch>
+        </p:blipFill>
+        <p:spPr>
+          <a:xfrm>
+            <a:off x="5982371" y="2008504"/>
+            <a:ext cx="6104697" cy="3961989"/>
+          </a:xfrm>
+          <a:prstGeom prst="rect">
+            <a:avLst/>
+          </a:prstGeom>
+        </p:spPr>
+      </p:pic>
+    </p:spTree>
+    <p:extLst>
+      <p:ext uri="{BB962C8B-B14F-4D97-AF65-F5344CB8AC3E}">
+        <p14:creationId xmlns:p14="http://schemas.microsoft.com/office/powerpoint/2010/main" val="608004697"/>
+      </p:ext>
+    </p:extLst>
+  </p:cSld>
+  <p:clrMapOvr>
+    <a:masterClrMapping/>
+  </p:clrMapOvr>
+</p:sld>
+</file>
+
+<file path=ppt/slides/slide32.xml><?xml version="1.0" encoding="utf-8"?>
+<p:sld xmlns:a="http://schemas.openxmlformats.org/drawingml/2006/main" xmlns:r="http://schemas.openxmlformats.org/officeDocument/2006/relationships" xmlns:p="http://schemas.openxmlformats.org/presentationml/2006/main">
+  <p:cSld>
+    <p:spTree>
+      <p:nvGrpSpPr>
+        <p:cNvPr id="1" name=""/>
+        <p:cNvGrpSpPr/>
+        <p:nvPr/>
+      </p:nvGrpSpPr>
+      <p:grpSpPr>
+        <a:xfrm>
+          <a:off x="0" y="0"/>
+          <a:ext cx="0" cy="0"/>
+          <a:chOff x="0" y="0"/>
+          <a:chExt cx="0" cy="0"/>
+        </a:xfrm>
+      </p:grpSpPr>
+      <p:sp>
+        <p:nvSpPr>
+          <p:cNvPr id="2" name="Title 1">
+            <a:extLst>
+              <a:ext uri="{FF2B5EF4-FFF2-40B4-BE49-F238E27FC236}">
                 <a16:creationId xmlns:a16="http://schemas.microsoft.com/office/drawing/2014/main" id="{38A6D0C2-7C03-B7D1-DC09-3EBC346AA795}"/>
               </a:ext>
             </a:extLst>
@@ -6763,7 +6951,7 @@
 </p:sld>
 </file>
 
-<file path=ppt/slides/slide31.xml><?xml version="1.0" encoding="utf-8"?>
+<file path=ppt/slides/slide33.xml><?xml version="1.0" encoding="utf-8"?>
 <p:sld xmlns:a="http://schemas.openxmlformats.org/drawingml/2006/main" xmlns:r="http://schemas.openxmlformats.org/officeDocument/2006/relationships" xmlns:p="http://schemas.openxmlformats.org/presentationml/2006/main">
   <p:cSld>
     <p:spTree>
@@ -6864,7 +7052,7 @@
 </p:sld>
 </file>
 
-<file path=ppt/slides/slide32.xml><?xml version="1.0" encoding="utf-8"?>
+<file path=ppt/slides/slide34.xml><?xml version="1.0" encoding="utf-8"?>
 <p:sld xmlns:a="http://schemas.openxmlformats.org/drawingml/2006/main" xmlns:r="http://schemas.openxmlformats.org/officeDocument/2006/relationships" xmlns:p="http://schemas.openxmlformats.org/presentationml/2006/main">
   <p:cSld>
     <p:spTree>
@@ -6977,7 +7165,7 @@
 </p:sld>
 </file>
 
-<file path=ppt/slides/slide33.xml><?xml version="1.0" encoding="utf-8"?>
+<file path=ppt/slides/slide35.xml><?xml version="1.0" encoding="utf-8"?>
 <p:sld xmlns:a="http://schemas.openxmlformats.org/drawingml/2006/main" xmlns:r="http://schemas.openxmlformats.org/officeDocument/2006/relationships" xmlns:p="http://schemas.openxmlformats.org/presentationml/2006/main">
   <p:cSld>
     <p:spTree>
@@ -7096,7 +7284,7 @@
 </p:sld>
 </file>
 
-<file path=ppt/slides/slide34.xml><?xml version="1.0" encoding="utf-8"?>
+<file path=ppt/slides/slide36.xml><?xml version="1.0" encoding="utf-8"?>
 <p:sld xmlns:a="http://schemas.openxmlformats.org/drawingml/2006/main" xmlns:r="http://schemas.openxmlformats.org/officeDocument/2006/relationships" xmlns:p="http://schemas.openxmlformats.org/presentationml/2006/main">
   <p:cSld>
     <p:spTree>
@@ -9600,7 +9788,7 @@
 </p:sld>
 </file>
 
-<file path=ppt/slides/slide35.xml><?xml version="1.0" encoding="utf-8"?>
+<file path=ppt/slides/slide37.xml><?xml version="1.0" encoding="utf-8"?>
 <p:sld xmlns:a="http://schemas.openxmlformats.org/drawingml/2006/main" xmlns:r="http://schemas.openxmlformats.org/officeDocument/2006/relationships" xmlns:p="http://schemas.openxmlformats.org/presentationml/2006/main">
   <p:cSld>
     <p:spTree>
@@ -9695,7 +9883,7 @@
 </p:sld>
 </file>
 
-<file path=ppt/slides/slide36.xml><?xml version="1.0" encoding="utf-8"?>
+<file path=ppt/slides/slide38.xml><?xml version="1.0" encoding="utf-8"?>
 <p:sld xmlns:a="http://schemas.openxmlformats.org/drawingml/2006/main" xmlns:r="http://schemas.openxmlformats.org/officeDocument/2006/relationships" xmlns:p="http://schemas.openxmlformats.org/presentationml/2006/main">
   <p:cSld>
     <p:spTree>
@@ -11078,7 +11266,7 @@
 </p:sld>
 </file>
 
-<file path=ppt/slides/slide37.xml><?xml version="1.0" encoding="utf-8"?>
+<file path=ppt/slides/slide39.xml><?xml version="1.0" encoding="utf-8"?>
 <p:sld xmlns:a="http://schemas.openxmlformats.org/drawingml/2006/main" xmlns:r="http://schemas.openxmlformats.org/officeDocument/2006/relationships" xmlns:p="http://schemas.openxmlformats.org/presentationml/2006/main">
   <p:cSld>
     <p:spTree>
@@ -11184,208 +11372,6 @@
     <p:extLst>
       <p:ext uri="{BB962C8B-B14F-4D97-AF65-F5344CB8AC3E}">
         <p14:creationId xmlns:p14="http://schemas.microsoft.com/office/powerpoint/2010/main" val="3106739379"/>
-      </p:ext>
-    </p:extLst>
-  </p:cSld>
-  <p:clrMapOvr>
-    <a:masterClrMapping/>
-  </p:clrMapOvr>
-</p:sld>
-</file>
-
-<file path=ppt/slides/slide38.xml><?xml version="1.0" encoding="utf-8"?>
-<p:sld xmlns:a="http://schemas.openxmlformats.org/drawingml/2006/main" xmlns:r="http://schemas.openxmlformats.org/officeDocument/2006/relationships" xmlns:p="http://schemas.openxmlformats.org/presentationml/2006/main">
-  <p:cSld>
-    <p:spTree>
-      <p:nvGrpSpPr>
-        <p:cNvPr id="1" name=""/>
-        <p:cNvGrpSpPr/>
-        <p:nvPr/>
-      </p:nvGrpSpPr>
-      <p:grpSpPr>
-        <a:xfrm>
-          <a:off x="0" y="0"/>
-          <a:ext cx="0" cy="0"/>
-          <a:chOff x="0" y="0"/>
-          <a:chExt cx="0" cy="0"/>
-        </a:xfrm>
-      </p:grpSpPr>
-      <p:sp>
-        <p:nvSpPr>
-          <p:cNvPr id="2" name="Title 1">
-            <a:extLst>
-              <a:ext uri="{FF2B5EF4-FFF2-40B4-BE49-F238E27FC236}">
-                <a16:creationId xmlns:a16="http://schemas.microsoft.com/office/drawing/2014/main" id="{1BFF8122-64BB-964A-D409-3FA8BD8520E5}"/>
-              </a:ext>
-            </a:extLst>
-          </p:cNvPr>
-          <p:cNvSpPr>
-            <a:spLocks noGrp="1"/>
-          </p:cNvSpPr>
-          <p:nvPr>
-            <p:ph type="title"/>
-          </p:nvPr>
-        </p:nvSpPr>
-        <p:spPr/>
-        <p:txBody>
-          <a:bodyPr/>
-          <a:lstStyle/>
-          <a:p>
-            <a:r>
-              <a:rPr lang="en-CA" dirty="0"/>
-              <a:t>Confidence interval</a:t>
-            </a:r>
-          </a:p>
-        </p:txBody>
-      </p:sp>
-      <p:sp>
-        <p:nvSpPr>
-          <p:cNvPr id="3" name="Content Placeholder 2">
-            <a:extLst>
-              <a:ext uri="{FF2B5EF4-FFF2-40B4-BE49-F238E27FC236}">
-                <a16:creationId xmlns:a16="http://schemas.microsoft.com/office/drawing/2014/main" id="{BF76A993-D95B-B2EF-3936-E092C355409F}"/>
-              </a:ext>
-            </a:extLst>
-          </p:cNvPr>
-          <p:cNvSpPr>
-            <a:spLocks noGrp="1"/>
-          </p:cNvSpPr>
-          <p:nvPr>
-            <p:ph idx="1"/>
-          </p:nvPr>
-        </p:nvSpPr>
-        <p:spPr/>
-        <p:txBody>
-          <a:bodyPr/>
-          <a:lstStyle/>
-          <a:p>
-            <a:r>
-              <a:rPr lang="en-CA" dirty="0"/>
-              <a:t>“A confidence interval shows the likely range in which the mean would fall if the sampling exercise were to be repeated” (Crawley 2015:61)</a:t>
-            </a:r>
-          </a:p>
-          <a:p>
-            <a:endParaRPr lang="en-CA" dirty="0"/>
-          </a:p>
-          <a:p>
-            <a:r>
-              <a:rPr lang="en-CA" dirty="0"/>
-              <a:t>The interval gets wider as the unreliability goes up.</a:t>
-            </a:r>
-          </a:p>
-          <a:p>
-            <a:endParaRPr lang="en-CA" dirty="0"/>
-          </a:p>
-          <a:p>
-            <a:endParaRPr lang="en-CA" dirty="0"/>
-          </a:p>
-        </p:txBody>
-      </p:sp>
-    </p:spTree>
-    <p:extLst>
-      <p:ext uri="{BB962C8B-B14F-4D97-AF65-F5344CB8AC3E}">
-        <p14:creationId xmlns:p14="http://schemas.microsoft.com/office/powerpoint/2010/main" val="2993819073"/>
-      </p:ext>
-    </p:extLst>
-  </p:cSld>
-  <p:clrMapOvr>
-    <a:masterClrMapping/>
-  </p:clrMapOvr>
-</p:sld>
-</file>
-
-<file path=ppt/slides/slide39.xml><?xml version="1.0" encoding="utf-8"?>
-<p:sld xmlns:a="http://schemas.openxmlformats.org/drawingml/2006/main" xmlns:r="http://schemas.openxmlformats.org/officeDocument/2006/relationships" xmlns:p="http://schemas.openxmlformats.org/presentationml/2006/main">
-  <p:cSld>
-    <p:spTree>
-      <p:nvGrpSpPr>
-        <p:cNvPr id="1" name=""/>
-        <p:cNvGrpSpPr/>
-        <p:nvPr/>
-      </p:nvGrpSpPr>
-      <p:grpSpPr>
-        <a:xfrm>
-          <a:off x="0" y="0"/>
-          <a:ext cx="0" cy="0"/>
-          <a:chOff x="0" y="0"/>
-          <a:chExt cx="0" cy="0"/>
-        </a:xfrm>
-      </p:grpSpPr>
-      <p:sp>
-        <p:nvSpPr>
-          <p:cNvPr id="2" name="Title 1">
-            <a:extLst>
-              <a:ext uri="{FF2B5EF4-FFF2-40B4-BE49-F238E27FC236}">
-                <a16:creationId xmlns:a16="http://schemas.microsoft.com/office/drawing/2014/main" id="{A405685F-7D0C-DE58-88D7-8D4BBCD776EF}"/>
-              </a:ext>
-            </a:extLst>
-          </p:cNvPr>
-          <p:cNvSpPr>
-            <a:spLocks noGrp="1"/>
-          </p:cNvSpPr>
-          <p:nvPr>
-            <p:ph type="title"/>
-          </p:nvPr>
-        </p:nvSpPr>
-        <p:spPr/>
-        <p:txBody>
-          <a:bodyPr/>
-          <a:lstStyle/>
-          <a:p>
-            <a:r>
-              <a:rPr lang="en-CA" dirty="0"/>
-              <a:t>Confidence interval</a:t>
-            </a:r>
-          </a:p>
-        </p:txBody>
-      </p:sp>
-      <p:sp>
-        <p:nvSpPr>
-          <p:cNvPr id="3" name="Content Placeholder 2">
-            <a:extLst>
-              <a:ext uri="{FF2B5EF4-FFF2-40B4-BE49-F238E27FC236}">
-                <a16:creationId xmlns:a16="http://schemas.microsoft.com/office/drawing/2014/main" id="{8AE50F35-FEC5-83E0-1069-45DF9A3ECAF9}"/>
-              </a:ext>
-            </a:extLst>
-          </p:cNvPr>
-          <p:cNvSpPr>
-            <a:spLocks noGrp="1"/>
-          </p:cNvSpPr>
-          <p:nvPr>
-            <p:ph idx="1"/>
-          </p:nvPr>
-        </p:nvSpPr>
-        <p:spPr/>
-        <p:txBody>
-          <a:bodyPr/>
-          <a:lstStyle/>
-          <a:p>
-            <a:r>
-              <a:rPr lang="en-CA" dirty="0"/>
-              <a:t>If I say that between 35-40% of people will vote for Joe Biden in a 95% confidence interval it means </a:t>
-            </a:r>
-          </a:p>
-          <a:p>
-            <a:endParaRPr lang="en-CA" dirty="0"/>
-          </a:p>
-          <a:p>
-            <a:r>
-              <a:rPr lang="en-CA" dirty="0"/>
-              <a:t>Under repeated sampling in identical conditions, the true value would be between 35-40%, 95% of the time.</a:t>
-            </a:r>
-          </a:p>
-          <a:p>
-            <a:endParaRPr lang="en-CA" dirty="0"/>
-          </a:p>
-          <a:p>
-            <a:endParaRPr lang="en-CA" dirty="0"/>
-          </a:p>
-        </p:txBody>
-      </p:sp>
-    </p:spTree>
-    <p:extLst>
-      <p:ext uri="{BB962C8B-B14F-4D97-AF65-F5344CB8AC3E}">
-        <p14:creationId xmlns:p14="http://schemas.microsoft.com/office/powerpoint/2010/main" val="3672367879"/>
       </p:ext>
     </p:extLst>
   </p:cSld>
@@ -11568,7 +11554,7 @@
           <p:cNvPr id="2" name="Title 1">
             <a:extLst>
               <a:ext uri="{FF2B5EF4-FFF2-40B4-BE49-F238E27FC236}">
-                <a16:creationId xmlns:a16="http://schemas.microsoft.com/office/drawing/2014/main" id="{70354353-E679-D25E-2BA3-B1E163C92786}"/>
+                <a16:creationId xmlns:a16="http://schemas.microsoft.com/office/drawing/2014/main" id="{1BFF8122-64BB-964A-D409-3FA8BD8520E5}"/>
               </a:ext>
             </a:extLst>
           </p:cNvPr>
@@ -11596,7 +11582,7 @@
           <p:cNvPr id="3" name="Content Placeholder 2">
             <a:extLst>
               <a:ext uri="{FF2B5EF4-FFF2-40B4-BE49-F238E27FC236}">
-                <a16:creationId xmlns:a16="http://schemas.microsoft.com/office/drawing/2014/main" id="{6265E4F6-84A6-D51F-84D5-329609E9BC2B}"/>
+                <a16:creationId xmlns:a16="http://schemas.microsoft.com/office/drawing/2014/main" id="{BF76A993-D95B-B2EF-3936-E092C355409F}"/>
               </a:ext>
             </a:extLst>
           </p:cNvPr>
@@ -11614,27 +11600,30 @@
           <a:p>
             <a:r>
               <a:rPr lang="en-CA" dirty="0"/>
-              <a:t>What does it mean if the confidence interval is large?</a:t>
+              <a:t>“A confidence interval shows the likely range in which the mean would fall if the sampling exercise were to be repeated” (Crawley 2015:61)</a:t>
             </a:r>
           </a:p>
           <a:p>
             <a:endParaRPr lang="en-CA" dirty="0"/>
           </a:p>
           <a:p>
+            <a:r>
+              <a:rPr lang="en-CA" dirty="0"/>
+              <a:t>The interval gets wider as the unreliability goes up.</a:t>
+            </a:r>
+          </a:p>
+          <a:p>
             <a:endParaRPr lang="en-CA" dirty="0"/>
           </a:p>
           <a:p>
-            <a:r>
-              <a:rPr lang="en-CA" dirty="0"/>
-              <a:t>What does it mean if it straddles 0?</a:t>
-            </a:r>
+            <a:endParaRPr lang="en-CA" dirty="0"/>
           </a:p>
         </p:txBody>
       </p:sp>
     </p:spTree>
     <p:extLst>
       <p:ext uri="{BB962C8B-B14F-4D97-AF65-F5344CB8AC3E}">
-        <p14:creationId xmlns:p14="http://schemas.microsoft.com/office/powerpoint/2010/main" val="1219745559"/>
+        <p14:creationId xmlns:p14="http://schemas.microsoft.com/office/powerpoint/2010/main" val="2993819073"/>
       </p:ext>
     </p:extLst>
   </p:cSld>
@@ -11645,6 +11634,107 @@
 </file>
 
 <file path=ppt/slides/slide41.xml><?xml version="1.0" encoding="utf-8"?>
+<p:sld xmlns:a="http://schemas.openxmlformats.org/drawingml/2006/main" xmlns:r="http://schemas.openxmlformats.org/officeDocument/2006/relationships" xmlns:p="http://schemas.openxmlformats.org/presentationml/2006/main">
+  <p:cSld>
+    <p:spTree>
+      <p:nvGrpSpPr>
+        <p:cNvPr id="1" name=""/>
+        <p:cNvGrpSpPr/>
+        <p:nvPr/>
+      </p:nvGrpSpPr>
+      <p:grpSpPr>
+        <a:xfrm>
+          <a:off x="0" y="0"/>
+          <a:ext cx="0" cy="0"/>
+          <a:chOff x="0" y="0"/>
+          <a:chExt cx="0" cy="0"/>
+        </a:xfrm>
+      </p:grpSpPr>
+      <p:sp>
+        <p:nvSpPr>
+          <p:cNvPr id="2" name="Title 1">
+            <a:extLst>
+              <a:ext uri="{FF2B5EF4-FFF2-40B4-BE49-F238E27FC236}">
+                <a16:creationId xmlns:a16="http://schemas.microsoft.com/office/drawing/2014/main" id="{A405685F-7D0C-DE58-88D7-8D4BBCD776EF}"/>
+              </a:ext>
+            </a:extLst>
+          </p:cNvPr>
+          <p:cNvSpPr>
+            <a:spLocks noGrp="1"/>
+          </p:cNvSpPr>
+          <p:nvPr>
+            <p:ph type="title"/>
+          </p:nvPr>
+        </p:nvSpPr>
+        <p:spPr/>
+        <p:txBody>
+          <a:bodyPr/>
+          <a:lstStyle/>
+          <a:p>
+            <a:r>
+              <a:rPr lang="en-CA" dirty="0"/>
+              <a:t>Confidence interval</a:t>
+            </a:r>
+          </a:p>
+        </p:txBody>
+      </p:sp>
+      <p:sp>
+        <p:nvSpPr>
+          <p:cNvPr id="3" name="Content Placeholder 2">
+            <a:extLst>
+              <a:ext uri="{FF2B5EF4-FFF2-40B4-BE49-F238E27FC236}">
+                <a16:creationId xmlns:a16="http://schemas.microsoft.com/office/drawing/2014/main" id="{8AE50F35-FEC5-83E0-1069-45DF9A3ECAF9}"/>
+              </a:ext>
+            </a:extLst>
+          </p:cNvPr>
+          <p:cNvSpPr>
+            <a:spLocks noGrp="1"/>
+          </p:cNvSpPr>
+          <p:nvPr>
+            <p:ph idx="1"/>
+          </p:nvPr>
+        </p:nvSpPr>
+        <p:spPr/>
+        <p:txBody>
+          <a:bodyPr/>
+          <a:lstStyle/>
+          <a:p>
+            <a:r>
+              <a:rPr lang="en-CA" dirty="0"/>
+              <a:t>If I say that between 35-40% of people will vote for Joe Biden in a 95% confidence interval it means </a:t>
+            </a:r>
+          </a:p>
+          <a:p>
+            <a:endParaRPr lang="en-CA" dirty="0"/>
+          </a:p>
+          <a:p>
+            <a:r>
+              <a:rPr lang="en-CA" dirty="0"/>
+              <a:t>Under repeated sampling in identical conditions, the true value would be between 35-40%, 95% of the time.</a:t>
+            </a:r>
+          </a:p>
+          <a:p>
+            <a:endParaRPr lang="en-CA" dirty="0"/>
+          </a:p>
+          <a:p>
+            <a:endParaRPr lang="en-CA" dirty="0"/>
+          </a:p>
+        </p:txBody>
+      </p:sp>
+    </p:spTree>
+    <p:extLst>
+      <p:ext uri="{BB962C8B-B14F-4D97-AF65-F5344CB8AC3E}">
+        <p14:creationId xmlns:p14="http://schemas.microsoft.com/office/powerpoint/2010/main" val="3672367879"/>
+      </p:ext>
+    </p:extLst>
+  </p:cSld>
+  <p:clrMapOvr>
+    <a:masterClrMapping/>
+  </p:clrMapOvr>
+</p:sld>
+</file>
+
+<file path=ppt/slides/slide42.xml><?xml version="1.0" encoding="utf-8"?>
 <p:sld xmlns:a="http://schemas.openxmlformats.org/drawingml/2006/main" xmlns:r="http://schemas.openxmlformats.org/officeDocument/2006/relationships" xmlns:p="http://schemas.openxmlformats.org/presentationml/2006/main">
   <p:cSld>
     <p:spTree>
@@ -11716,6 +11806,104 @@
             </a:r>
           </a:p>
           <a:p>
+            <a:endParaRPr lang="en-CA" dirty="0"/>
+          </a:p>
+          <a:p>
+            <a:endParaRPr lang="en-CA" dirty="0"/>
+          </a:p>
+          <a:p>
+            <a:r>
+              <a:rPr lang="en-CA" dirty="0"/>
+              <a:t>What does it mean if it straddles 0?</a:t>
+            </a:r>
+          </a:p>
+        </p:txBody>
+      </p:sp>
+    </p:spTree>
+    <p:extLst>
+      <p:ext uri="{BB962C8B-B14F-4D97-AF65-F5344CB8AC3E}">
+        <p14:creationId xmlns:p14="http://schemas.microsoft.com/office/powerpoint/2010/main" val="1219745559"/>
+      </p:ext>
+    </p:extLst>
+  </p:cSld>
+  <p:clrMapOvr>
+    <a:masterClrMapping/>
+  </p:clrMapOvr>
+</p:sld>
+</file>
+
+<file path=ppt/slides/slide43.xml><?xml version="1.0" encoding="utf-8"?>
+<p:sld xmlns:a="http://schemas.openxmlformats.org/drawingml/2006/main" xmlns:r="http://schemas.openxmlformats.org/officeDocument/2006/relationships" xmlns:p="http://schemas.openxmlformats.org/presentationml/2006/main">
+  <p:cSld>
+    <p:spTree>
+      <p:nvGrpSpPr>
+        <p:cNvPr id="1" name=""/>
+        <p:cNvGrpSpPr/>
+        <p:nvPr/>
+      </p:nvGrpSpPr>
+      <p:grpSpPr>
+        <a:xfrm>
+          <a:off x="0" y="0"/>
+          <a:ext cx="0" cy="0"/>
+          <a:chOff x="0" y="0"/>
+          <a:chExt cx="0" cy="0"/>
+        </a:xfrm>
+      </p:grpSpPr>
+      <p:sp>
+        <p:nvSpPr>
+          <p:cNvPr id="2" name="Title 1">
+            <a:extLst>
+              <a:ext uri="{FF2B5EF4-FFF2-40B4-BE49-F238E27FC236}">
+                <a16:creationId xmlns:a16="http://schemas.microsoft.com/office/drawing/2014/main" id="{70354353-E679-D25E-2BA3-B1E163C92786}"/>
+              </a:ext>
+            </a:extLst>
+          </p:cNvPr>
+          <p:cNvSpPr>
+            <a:spLocks noGrp="1"/>
+          </p:cNvSpPr>
+          <p:nvPr>
+            <p:ph type="title"/>
+          </p:nvPr>
+        </p:nvSpPr>
+        <p:spPr/>
+        <p:txBody>
+          <a:bodyPr/>
+          <a:lstStyle/>
+          <a:p>
+            <a:r>
+              <a:rPr lang="en-CA" dirty="0"/>
+              <a:t>Confidence interval</a:t>
+            </a:r>
+          </a:p>
+        </p:txBody>
+      </p:sp>
+      <p:sp>
+        <p:nvSpPr>
+          <p:cNvPr id="3" name="Content Placeholder 2">
+            <a:extLst>
+              <a:ext uri="{FF2B5EF4-FFF2-40B4-BE49-F238E27FC236}">
+                <a16:creationId xmlns:a16="http://schemas.microsoft.com/office/drawing/2014/main" id="{6265E4F6-84A6-D51F-84D5-329609E9BC2B}"/>
+              </a:ext>
+            </a:extLst>
+          </p:cNvPr>
+          <p:cNvSpPr>
+            <a:spLocks noGrp="1"/>
+          </p:cNvSpPr>
+          <p:nvPr>
+            <p:ph idx="1"/>
+          </p:nvPr>
+        </p:nvSpPr>
+        <p:spPr/>
+        <p:txBody>
+          <a:bodyPr/>
+          <a:lstStyle/>
+          <a:p>
+            <a:r>
+              <a:rPr lang="en-CA" dirty="0"/>
+              <a:t>What does it mean if the confidence interval is large?</a:t>
+            </a:r>
+          </a:p>
+          <a:p>
             <a:pPr lvl="1"/>
             <a:r>
               <a:rPr lang="en-CA" dirty="0"/>
@@ -11753,7 +11941,7 @@
 </p:sld>
 </file>
 
-<file path=ppt/slides/slide42.xml><?xml version="1.0" encoding="utf-8"?>
+<file path=ppt/slides/slide44.xml><?xml version="1.0" encoding="utf-8"?>
 <p:sld xmlns:a="http://schemas.openxmlformats.org/drawingml/2006/main" xmlns:r="http://schemas.openxmlformats.org/officeDocument/2006/relationships" xmlns:p="http://schemas.openxmlformats.org/presentationml/2006/main">
   <p:cSld>
     <p:spTree>
@@ -12802,7 +12990,7 @@
 </p:sld>
 </file>
 
-<file path=ppt/slides/slide43.xml><?xml version="1.0" encoding="utf-8"?>
+<file path=ppt/slides/slide45.xml><?xml version="1.0" encoding="utf-8"?>
 <p:sld xmlns:a="http://schemas.openxmlformats.org/drawingml/2006/main" xmlns:r="http://schemas.openxmlformats.org/officeDocument/2006/relationships" xmlns:p="http://schemas.openxmlformats.org/presentationml/2006/main">
   <p:cSld>
     <p:spTree>
@@ -13630,7 +13818,7 @@
 </p:sld>
 </file>
 
-<file path=ppt/slides/slide44.xml><?xml version="1.0" encoding="utf-8"?>
+<file path=ppt/slides/slide46.xml><?xml version="1.0" encoding="utf-8"?>
 <p:sld xmlns:a="http://schemas.openxmlformats.org/drawingml/2006/main" xmlns:r="http://schemas.openxmlformats.org/officeDocument/2006/relationships" xmlns:p="http://schemas.openxmlformats.org/presentationml/2006/main">
   <p:cSld>
     <p:spTree>
@@ -13725,7 +13913,7 @@
 </p:sld>
 </file>
 
-<file path=ppt/slides/slide45.xml><?xml version="1.0" encoding="utf-8"?>
+<file path=ppt/slides/slide47.xml><?xml version="1.0" encoding="utf-8"?>
 <p:sld xmlns:a="http://schemas.openxmlformats.org/drawingml/2006/main" xmlns:r="http://schemas.openxmlformats.org/officeDocument/2006/relationships" xmlns:p="http://schemas.openxmlformats.org/presentationml/2006/main">
   <p:cSld>
     <p:spTree>
@@ -15690,7 +15878,7 @@
 </p:sld>
 </file>
 
-<file path=ppt/slides/slide46.xml><?xml version="1.0" encoding="utf-8"?>
+<file path=ppt/slides/slide48.xml><?xml version="1.0" encoding="utf-8"?>
 <p:sld xmlns:a="http://schemas.openxmlformats.org/drawingml/2006/main" xmlns:r="http://schemas.openxmlformats.org/officeDocument/2006/relationships" xmlns:p="http://schemas.openxmlformats.org/presentationml/2006/main">
   <p:cSld>
     <p:spTree>
@@ -16074,7 +16262,7 @@
 </p:sld>
 </file>
 
-<file path=ppt/slides/slide47.xml><?xml version="1.0" encoding="utf-8"?>
+<file path=ppt/slides/slide49.xml><?xml version="1.0" encoding="utf-8"?>
 <p:sld xmlns:a="http://schemas.openxmlformats.org/drawingml/2006/main" xmlns:r="http://schemas.openxmlformats.org/officeDocument/2006/relationships" xmlns:p="http://schemas.openxmlformats.org/presentationml/2006/main">
   <p:cSld>
     <p:spTree>
@@ -16505,7 +16693,125 @@
 </p:sld>
 </file>
 
-<file path=ppt/slides/slide48.xml><?xml version="1.0" encoding="utf-8"?>
+<file path=ppt/slides/slide5.xml><?xml version="1.0" encoding="utf-8"?>
+<p:sld xmlns:a="http://schemas.openxmlformats.org/drawingml/2006/main" xmlns:r="http://schemas.openxmlformats.org/officeDocument/2006/relationships" xmlns:p="http://schemas.openxmlformats.org/presentationml/2006/main">
+  <p:cSld>
+    <p:spTree>
+      <p:nvGrpSpPr>
+        <p:cNvPr id="1" name=""/>
+        <p:cNvGrpSpPr/>
+        <p:nvPr/>
+      </p:nvGrpSpPr>
+      <p:grpSpPr>
+        <a:xfrm>
+          <a:off x="0" y="0"/>
+          <a:ext cx="0" cy="0"/>
+          <a:chOff x="0" y="0"/>
+          <a:chExt cx="0" cy="0"/>
+        </a:xfrm>
+      </p:grpSpPr>
+      <p:sp>
+        <p:nvSpPr>
+          <p:cNvPr id="2" name="Title 1">
+            <a:extLst>
+              <a:ext uri="{FF2B5EF4-FFF2-40B4-BE49-F238E27FC236}">
+                <a16:creationId xmlns:a16="http://schemas.microsoft.com/office/drawing/2014/main" id="{23451EB3-AAB4-387D-F451-6D39F178F600}"/>
+              </a:ext>
+            </a:extLst>
+          </p:cNvPr>
+          <p:cNvSpPr>
+            <a:spLocks noGrp="1"/>
+          </p:cNvSpPr>
+          <p:nvPr>
+            <p:ph type="title"/>
+          </p:nvPr>
+        </p:nvSpPr>
+        <p:spPr/>
+        <p:txBody>
+          <a:bodyPr/>
+          <a:lstStyle/>
+          <a:p>
+            <a:r>
+              <a:rPr lang="en-CA" dirty="0"/>
+              <a:t>Sample variance</a:t>
+            </a:r>
+          </a:p>
+        </p:txBody>
+      </p:sp>
+      <p:pic>
+        <p:nvPicPr>
+          <p:cNvPr id="5" name="Picture 4">
+            <a:extLst>
+              <a:ext uri="{FF2B5EF4-FFF2-40B4-BE49-F238E27FC236}">
+                <a16:creationId xmlns:a16="http://schemas.microsoft.com/office/drawing/2014/main" id="{A3C58334-323A-D327-B8C0-93D0BA3BA45E}"/>
+              </a:ext>
+            </a:extLst>
+          </p:cNvPr>
+          <p:cNvPicPr>
+            <a:picLocks noChangeAspect="1"/>
+          </p:cNvPicPr>
+          <p:nvPr/>
+        </p:nvPicPr>
+        <p:blipFill>
+          <a:blip r:embed="rId2"/>
+          <a:stretch>
+            <a:fillRect/>
+          </a:stretch>
+        </p:blipFill>
+        <p:spPr>
+          <a:xfrm>
+            <a:off x="4243387" y="2076450"/>
+            <a:ext cx="3705225" cy="1352550"/>
+          </a:xfrm>
+          <a:prstGeom prst="rect">
+            <a:avLst/>
+          </a:prstGeom>
+        </p:spPr>
+      </p:pic>
+      <p:pic>
+        <p:nvPicPr>
+          <p:cNvPr id="7" name="Picture 6">
+            <a:extLst>
+              <a:ext uri="{FF2B5EF4-FFF2-40B4-BE49-F238E27FC236}">
+                <a16:creationId xmlns:a16="http://schemas.microsoft.com/office/drawing/2014/main" id="{87068055-A772-5A4A-7E4B-B8D6B0E66C59}"/>
+              </a:ext>
+            </a:extLst>
+          </p:cNvPr>
+          <p:cNvPicPr>
+            <a:picLocks noChangeAspect="1"/>
+          </p:cNvPicPr>
+          <p:nvPr/>
+        </p:nvPicPr>
+        <p:blipFill>
+          <a:blip r:embed="rId3"/>
+          <a:stretch>
+            <a:fillRect/>
+          </a:stretch>
+        </p:blipFill>
+        <p:spPr>
+          <a:xfrm>
+            <a:off x="4329111" y="4107797"/>
+            <a:ext cx="3533775" cy="1257300"/>
+          </a:xfrm>
+          <a:prstGeom prst="rect">
+            <a:avLst/>
+          </a:prstGeom>
+        </p:spPr>
+      </p:pic>
+    </p:spTree>
+    <p:extLst>
+      <p:ext uri="{BB962C8B-B14F-4D97-AF65-F5344CB8AC3E}">
+        <p14:creationId xmlns:p14="http://schemas.microsoft.com/office/powerpoint/2010/main" val="2165333664"/>
+      </p:ext>
+    </p:extLst>
+  </p:cSld>
+  <p:clrMapOvr>
+    <a:masterClrMapping/>
+  </p:clrMapOvr>
+</p:sld>
+</file>
+
+<file path=ppt/slides/slide50.xml><?xml version="1.0" encoding="utf-8"?>
 <p:sld xmlns:a="http://schemas.openxmlformats.org/drawingml/2006/main" xmlns:r="http://schemas.openxmlformats.org/officeDocument/2006/relationships" xmlns:p="http://schemas.openxmlformats.org/presentationml/2006/main">
   <p:cSld>
     <p:spTree>
@@ -16947,7 +17253,7 @@
 </p:sld>
 </file>
 
-<file path=ppt/slides/slide49.xml><?xml version="1.0" encoding="utf-8"?>
+<file path=ppt/slides/slide51.xml><?xml version="1.0" encoding="utf-8"?>
 <p:sld xmlns:a="http://schemas.openxmlformats.org/drawingml/2006/main" xmlns:r="http://schemas.openxmlformats.org/officeDocument/2006/relationships" xmlns:p="http://schemas.openxmlformats.org/presentationml/2006/main">
   <p:cSld>
     <p:spTree>
@@ -18008,125 +18314,7 @@
 </p:sld>
 </file>
 
-<file path=ppt/slides/slide5.xml><?xml version="1.0" encoding="utf-8"?>
-<p:sld xmlns:a="http://schemas.openxmlformats.org/drawingml/2006/main" xmlns:r="http://schemas.openxmlformats.org/officeDocument/2006/relationships" xmlns:p="http://schemas.openxmlformats.org/presentationml/2006/main">
-  <p:cSld>
-    <p:spTree>
-      <p:nvGrpSpPr>
-        <p:cNvPr id="1" name=""/>
-        <p:cNvGrpSpPr/>
-        <p:nvPr/>
-      </p:nvGrpSpPr>
-      <p:grpSpPr>
-        <a:xfrm>
-          <a:off x="0" y="0"/>
-          <a:ext cx="0" cy="0"/>
-          <a:chOff x="0" y="0"/>
-          <a:chExt cx="0" cy="0"/>
-        </a:xfrm>
-      </p:grpSpPr>
-      <p:sp>
-        <p:nvSpPr>
-          <p:cNvPr id="2" name="Title 1">
-            <a:extLst>
-              <a:ext uri="{FF2B5EF4-FFF2-40B4-BE49-F238E27FC236}">
-                <a16:creationId xmlns:a16="http://schemas.microsoft.com/office/drawing/2014/main" id="{23451EB3-AAB4-387D-F451-6D39F178F600}"/>
-              </a:ext>
-            </a:extLst>
-          </p:cNvPr>
-          <p:cNvSpPr>
-            <a:spLocks noGrp="1"/>
-          </p:cNvSpPr>
-          <p:nvPr>
-            <p:ph type="title"/>
-          </p:nvPr>
-        </p:nvSpPr>
-        <p:spPr/>
-        <p:txBody>
-          <a:bodyPr/>
-          <a:lstStyle/>
-          <a:p>
-            <a:r>
-              <a:rPr lang="en-CA" dirty="0"/>
-              <a:t>Sample variance</a:t>
-            </a:r>
-          </a:p>
-        </p:txBody>
-      </p:sp>
-      <p:pic>
-        <p:nvPicPr>
-          <p:cNvPr id="5" name="Picture 4">
-            <a:extLst>
-              <a:ext uri="{FF2B5EF4-FFF2-40B4-BE49-F238E27FC236}">
-                <a16:creationId xmlns:a16="http://schemas.microsoft.com/office/drawing/2014/main" id="{A3C58334-323A-D327-B8C0-93D0BA3BA45E}"/>
-              </a:ext>
-            </a:extLst>
-          </p:cNvPr>
-          <p:cNvPicPr>
-            <a:picLocks noChangeAspect="1"/>
-          </p:cNvPicPr>
-          <p:nvPr/>
-        </p:nvPicPr>
-        <p:blipFill>
-          <a:blip r:embed="rId2"/>
-          <a:stretch>
-            <a:fillRect/>
-          </a:stretch>
-        </p:blipFill>
-        <p:spPr>
-          <a:xfrm>
-            <a:off x="4243387" y="2076450"/>
-            <a:ext cx="3705225" cy="1352550"/>
-          </a:xfrm>
-          <a:prstGeom prst="rect">
-            <a:avLst/>
-          </a:prstGeom>
-        </p:spPr>
-      </p:pic>
-      <p:pic>
-        <p:nvPicPr>
-          <p:cNvPr id="7" name="Picture 6">
-            <a:extLst>
-              <a:ext uri="{FF2B5EF4-FFF2-40B4-BE49-F238E27FC236}">
-                <a16:creationId xmlns:a16="http://schemas.microsoft.com/office/drawing/2014/main" id="{87068055-A772-5A4A-7E4B-B8D6B0E66C59}"/>
-              </a:ext>
-            </a:extLst>
-          </p:cNvPr>
-          <p:cNvPicPr>
-            <a:picLocks noChangeAspect="1"/>
-          </p:cNvPicPr>
-          <p:nvPr/>
-        </p:nvPicPr>
-        <p:blipFill>
-          <a:blip r:embed="rId3"/>
-          <a:stretch>
-            <a:fillRect/>
-          </a:stretch>
-        </p:blipFill>
-        <p:spPr>
-          <a:xfrm>
-            <a:off x="4329111" y="4107797"/>
-            <a:ext cx="3533775" cy="1257300"/>
-          </a:xfrm>
-          <a:prstGeom prst="rect">
-            <a:avLst/>
-          </a:prstGeom>
-        </p:spPr>
-      </p:pic>
-    </p:spTree>
-    <p:extLst>
-      <p:ext uri="{BB962C8B-B14F-4D97-AF65-F5344CB8AC3E}">
-        <p14:creationId xmlns:p14="http://schemas.microsoft.com/office/powerpoint/2010/main" val="2165333664"/>
-      </p:ext>
-    </p:extLst>
-  </p:cSld>
-  <p:clrMapOvr>
-    <a:masterClrMapping/>
-  </p:clrMapOvr>
-</p:sld>
-</file>
-
-<file path=ppt/slides/slide50.xml><?xml version="1.0" encoding="utf-8"?>
+<file path=ppt/slides/slide52.xml><?xml version="1.0" encoding="utf-8"?>
 <p:sld xmlns:a="http://schemas.openxmlformats.org/drawingml/2006/main" xmlns:r="http://schemas.openxmlformats.org/officeDocument/2006/relationships" xmlns:p="http://schemas.openxmlformats.org/presentationml/2006/main">
   <p:cSld>
     <p:spTree>
@@ -18914,7 +19102,7 @@
 </p:sld>
 </file>
 
-<file path=ppt/slides/slide51.xml><?xml version="1.0" encoding="utf-8"?>
+<file path=ppt/slides/slide53.xml><?xml version="1.0" encoding="utf-8"?>
 <p:sld xmlns:a="http://schemas.openxmlformats.org/drawingml/2006/main" xmlns:r="http://schemas.openxmlformats.org/officeDocument/2006/relationships" xmlns:p="http://schemas.openxmlformats.org/presentationml/2006/main">
   <p:cSld>
     <p:spTree>
@@ -19422,7 +19610,7 @@
 </p:sld>
 </file>
 
-<file path=ppt/slides/slide52.xml><?xml version="1.0" encoding="utf-8"?>
+<file path=ppt/slides/slide54.xml><?xml version="1.0" encoding="utf-8"?>
 <p:sld xmlns:a="http://schemas.openxmlformats.org/drawingml/2006/main" xmlns:r="http://schemas.openxmlformats.org/officeDocument/2006/relationships" xmlns:p="http://schemas.openxmlformats.org/presentationml/2006/main">
   <p:cSld>
     <p:spTree>

--- a/02_slides/Statistics for Linguists 2023 11 15.pptx
+++ b/02_slides/Statistics for Linguists 2023 11 15.pptx
@@ -314,7 +314,7 @@
           <a:p>
             <a:fld id="{F53DEF25-7F0F-4577-A782-6142AB1EE955}" type="datetimeFigureOut">
               <a:rPr lang="es-BO" smtClean="0"/>
-              <a:t>15/11/2023</a:t>
+              <a:t>22/11/2023</a:t>
             </a:fld>
             <a:endParaRPr lang="es-BO"/>
           </a:p>
@@ -514,7 +514,7 @@
           <a:p>
             <a:fld id="{F53DEF25-7F0F-4577-A782-6142AB1EE955}" type="datetimeFigureOut">
               <a:rPr lang="es-BO" smtClean="0"/>
-              <a:t>15/11/2023</a:t>
+              <a:t>22/11/2023</a:t>
             </a:fld>
             <a:endParaRPr lang="es-BO"/>
           </a:p>
@@ -724,7 +724,7 @@
           <a:p>
             <a:fld id="{F53DEF25-7F0F-4577-A782-6142AB1EE955}" type="datetimeFigureOut">
               <a:rPr lang="es-BO" smtClean="0"/>
-              <a:t>15/11/2023</a:t>
+              <a:t>22/11/2023</a:t>
             </a:fld>
             <a:endParaRPr lang="es-BO"/>
           </a:p>
@@ -924,7 +924,7 @@
           <a:p>
             <a:fld id="{F53DEF25-7F0F-4577-A782-6142AB1EE955}" type="datetimeFigureOut">
               <a:rPr lang="es-BO" smtClean="0"/>
-              <a:t>15/11/2023</a:t>
+              <a:t>22/11/2023</a:t>
             </a:fld>
             <a:endParaRPr lang="es-BO"/>
           </a:p>
@@ -1200,7 +1200,7 @@
           <a:p>
             <a:fld id="{F53DEF25-7F0F-4577-A782-6142AB1EE955}" type="datetimeFigureOut">
               <a:rPr lang="es-BO" smtClean="0"/>
-              <a:t>15/11/2023</a:t>
+              <a:t>22/11/2023</a:t>
             </a:fld>
             <a:endParaRPr lang="es-BO"/>
           </a:p>
@@ -1468,7 +1468,7 @@
           <a:p>
             <a:fld id="{F53DEF25-7F0F-4577-A782-6142AB1EE955}" type="datetimeFigureOut">
               <a:rPr lang="es-BO" smtClean="0"/>
-              <a:t>15/11/2023</a:t>
+              <a:t>22/11/2023</a:t>
             </a:fld>
             <a:endParaRPr lang="es-BO"/>
           </a:p>
@@ -1883,7 +1883,7 @@
           <a:p>
             <a:fld id="{F53DEF25-7F0F-4577-A782-6142AB1EE955}" type="datetimeFigureOut">
               <a:rPr lang="es-BO" smtClean="0"/>
-              <a:t>15/11/2023</a:t>
+              <a:t>22/11/2023</a:t>
             </a:fld>
             <a:endParaRPr lang="es-BO"/>
           </a:p>
@@ -2025,7 +2025,7 @@
           <a:p>
             <a:fld id="{F53DEF25-7F0F-4577-A782-6142AB1EE955}" type="datetimeFigureOut">
               <a:rPr lang="es-BO" smtClean="0"/>
-              <a:t>15/11/2023</a:t>
+              <a:t>22/11/2023</a:t>
             </a:fld>
             <a:endParaRPr lang="es-BO"/>
           </a:p>
@@ -2138,7 +2138,7 @@
           <a:p>
             <a:fld id="{F53DEF25-7F0F-4577-A782-6142AB1EE955}" type="datetimeFigureOut">
               <a:rPr lang="es-BO" smtClean="0"/>
-              <a:t>15/11/2023</a:t>
+              <a:t>22/11/2023</a:t>
             </a:fld>
             <a:endParaRPr lang="es-BO"/>
           </a:p>
@@ -2451,7 +2451,7 @@
           <a:p>
             <a:fld id="{F53DEF25-7F0F-4577-A782-6142AB1EE955}" type="datetimeFigureOut">
               <a:rPr lang="es-BO" smtClean="0"/>
-              <a:t>15/11/2023</a:t>
+              <a:t>22/11/2023</a:t>
             </a:fld>
             <a:endParaRPr lang="es-BO"/>
           </a:p>
@@ -2740,7 +2740,7 @@
           <a:p>
             <a:fld id="{F53DEF25-7F0F-4577-A782-6142AB1EE955}" type="datetimeFigureOut">
               <a:rPr lang="es-BO" smtClean="0"/>
-              <a:t>15/11/2023</a:t>
+              <a:t>22/11/2023</a:t>
             </a:fld>
             <a:endParaRPr lang="es-BO"/>
           </a:p>
@@ -2983,7 +2983,7 @@
           <a:p>
             <a:fld id="{F53DEF25-7F0F-4577-A782-6142AB1EE955}" type="datetimeFigureOut">
               <a:rPr lang="es-BO" smtClean="0"/>
-              <a:t>15/11/2023</a:t>
+              <a:t>22/11/2023</a:t>
             </a:fld>
             <a:endParaRPr lang="es-BO"/>
           </a:p>
